--- a/public/docs/GroupX_Presentation.pptx
+++ b/public/docs/GroupX_Presentation.pptx
@@ -5,7 +5,7 @@
     <p:sldMasterId id="2147483648" r:id="rId1"/>
   </p:sldMasterIdLst>
   <p:sldIdLst>
-    <p:sldId id="256" r:id="rId2"/>
+    <p:sldId id="257" r:id="rId2"/>
   </p:sldIdLst>
   <p:sldSz cx="12192000" cy="6858000"/>
   <p:notesSz cx="6858000" cy="9144000"/>
@@ -104,7 +104,66 @@
       </a:defRPr>
     </a:lvl9pPr>
   </p:defaultTextStyle>
+  <p:extLst>
+    <p:ext uri="{EFAFB233-063F-42B5-8137-9DF3F51BA10A}">
+      <p15:sldGuideLst xmlns:p15="http://schemas.microsoft.com/office/powerpoint/2012/main"/>
+    </p:ext>
+  </p:extLst>
 </p:presentation>
+</file>
+
+<file path=ppt/revisionInfo.xml><?xml version="1.0" encoding="utf-8"?>
+<p1510:revInfo xmlns:a="http://schemas.openxmlformats.org/drawingml/2006/main" xmlns:r="http://schemas.openxmlformats.org/officeDocument/2006/relationships" xmlns:p1510="http://schemas.microsoft.com/office/powerpoint/2015/10/main">
+  <p1510:revLst>
+    <p1510:client id="{DABCC043-95B1-6D77-BC6C-CB1213017909}" v="2" dt="2025-04-22T19:24:34.547"/>
+    <p1510:client id="{EED1702A-F448-584B-AE23-DCD5E2FFABDB}" v="1" dt="2025-04-23T15:24:05.216"/>
+  </p1510:revLst>
+</p1510:revInfo>
+</file>
+
+<file path=ppt/changesInfos/changesInfo1.xml><?xml version="1.0" encoding="utf-8"?>
+<pc:chgInfo xmlns:a="http://schemas.openxmlformats.org/drawingml/2006/main" xmlns:r="http://schemas.openxmlformats.org/officeDocument/2006/relationships" xmlns:ac="http://schemas.microsoft.com/office/drawing/2013/main/command" xmlns:pc="http://schemas.microsoft.com/office/powerpoint/2013/main/command">
+  <pc:docChgLst>
+    <pc:chgData name="Canbaz, M Abdullah" userId="86f4c62c-40e2-48ce-a692-e4ae77417721" providerId="ADAL" clId="{EED1702A-F448-584B-AE23-DCD5E2FFABDB}"/>
+    <pc:docChg chg="custSel modSld">
+      <pc:chgData name="Canbaz, M Abdullah" userId="86f4c62c-40e2-48ce-a692-e4ae77417721" providerId="ADAL" clId="{EED1702A-F448-584B-AE23-DCD5E2FFABDB}" dt="2025-04-23T15:24:26.939" v="7" actId="1076"/>
+      <pc:docMkLst>
+        <pc:docMk/>
+      </pc:docMkLst>
+      <pc:sldChg chg="addSp delSp modSp mod">
+        <pc:chgData name="Canbaz, M Abdullah" userId="86f4c62c-40e2-48ce-a692-e4ae77417721" providerId="ADAL" clId="{EED1702A-F448-584B-AE23-DCD5E2FFABDB}" dt="2025-04-23T15:24:26.939" v="7" actId="1076"/>
+        <pc:sldMkLst>
+          <pc:docMk/>
+          <pc:sldMk cId="117953620" sldId="257"/>
+        </pc:sldMkLst>
+        <pc:spChg chg="mod">
+          <ac:chgData name="Canbaz, M Abdullah" userId="86f4c62c-40e2-48ce-a692-e4ae77417721" providerId="ADAL" clId="{EED1702A-F448-584B-AE23-DCD5E2FFABDB}" dt="2025-04-23T15:24:26.939" v="7" actId="1076"/>
+          <ac:spMkLst>
+            <pc:docMk/>
+            <pc:sldMk cId="117953620" sldId="257"/>
+            <ac:spMk id="34" creationId="{B61FEC8B-77E2-1ECC-916E-81C631A71FB3}"/>
+          </ac:spMkLst>
+        </pc:spChg>
+        <pc:picChg chg="add mod">
+          <ac:chgData name="Canbaz, M Abdullah" userId="86f4c62c-40e2-48ce-a692-e4ae77417721" providerId="ADAL" clId="{EED1702A-F448-584B-AE23-DCD5E2FFABDB}" dt="2025-04-23T15:24:16.449" v="6" actId="1076"/>
+          <ac:picMkLst>
+            <pc:docMk/>
+            <pc:sldMk cId="117953620" sldId="257"/>
+            <ac:picMk id="3" creationId="{2372B530-0AE7-B992-E821-C3FC24C7BC72}"/>
+          </ac:picMkLst>
+        </pc:picChg>
+        <pc:picChg chg="del mod">
+          <ac:chgData name="Canbaz, M Abdullah" userId="86f4c62c-40e2-48ce-a692-e4ae77417721" providerId="ADAL" clId="{EED1702A-F448-584B-AE23-DCD5E2FFABDB}" dt="2025-04-23T15:24:08.130" v="3" actId="478"/>
+          <ac:picMkLst>
+            <pc:docMk/>
+            <pc:sldMk cId="117953620" sldId="257"/>
+            <ac:picMk id="17" creationId="{2D855E98-21F1-2A9E-3462-B8DD96B59538}"/>
+          </ac:picMkLst>
+        </pc:picChg>
+      </pc:sldChg>
+    </pc:docChg>
+  </pc:docChgLst>
+</pc:chgInfo>
 </file>
 
 <file path=ppt/slideLayouts/slideLayout1.xml><?xml version="1.0" encoding="utf-8"?>
@@ -337,7 +396,7 @@
             <a:fld id="{B61BEF0D-F0BB-DE4B-95CE-6DB70DBA9567}" type="datetimeFigureOut">
               <a:rPr lang="en-US" dirty="0"/>
               <a:pPr/>
-              <a:t>4/22/25</a:t>
+              <a:t>4/23/25</a:t>
             </a:fld>
             <a:endParaRPr lang="en-US" dirty="0"/>
           </a:p>
@@ -668,7 +727,7 @@
             <a:fld id="{B61BEF0D-F0BB-DE4B-95CE-6DB70DBA9567}" type="datetimeFigureOut">
               <a:rPr lang="en-US" dirty="0"/>
               <a:pPr/>
-              <a:t>4/22/25</a:t>
+              <a:t>4/23/25</a:t>
             </a:fld>
             <a:endParaRPr lang="en-US" dirty="0"/>
           </a:p>
@@ -943,7 +1002,7 @@
             <a:fld id="{B61BEF0D-F0BB-DE4B-95CE-6DB70DBA9567}" type="datetimeFigureOut">
               <a:rPr lang="en-US" dirty="0"/>
               <a:pPr/>
-              <a:t>4/22/25</a:t>
+              <a:t>4/23/25</a:t>
             </a:fld>
             <a:endParaRPr lang="en-US" dirty="0"/>
           </a:p>
@@ -1508,7 +1567,7 @@
             <a:fld id="{B61BEF0D-F0BB-DE4B-95CE-6DB70DBA9567}" type="datetimeFigureOut">
               <a:rPr lang="en-US" dirty="0"/>
               <a:pPr/>
-              <a:t>4/22/25</a:t>
+              <a:t>4/23/25</a:t>
             </a:fld>
             <a:endParaRPr lang="en-US" dirty="0"/>
           </a:p>
@@ -1783,7 +1842,7 @@
             <a:fld id="{B61BEF0D-F0BB-DE4B-95CE-6DB70DBA9567}" type="datetimeFigureOut">
               <a:rPr lang="en-US" dirty="0"/>
               <a:pPr/>
-              <a:t>4/22/25</a:t>
+              <a:t>4/23/25</a:t>
             </a:fld>
             <a:endParaRPr lang="en-US" dirty="0"/>
           </a:p>
@@ -2342,7 +2401,7 @@
             <a:fld id="{B61BEF0D-F0BB-DE4B-95CE-6DB70DBA9567}" type="datetimeFigureOut">
               <a:rPr lang="en-US" dirty="0"/>
               <a:pPr/>
-              <a:t>4/22/25</a:t>
+              <a:t>4/23/25</a:t>
             </a:fld>
             <a:endParaRPr lang="en-US" dirty="0"/>
           </a:p>
@@ -2666,7 +2725,7 @@
             <a:fld id="{B61BEF0D-F0BB-DE4B-95CE-6DB70DBA9567}" type="datetimeFigureOut">
               <a:rPr lang="en-US" dirty="0"/>
               <a:pPr/>
-              <a:t>4/22/25</a:t>
+              <a:t>4/23/25</a:t>
             </a:fld>
             <a:endParaRPr lang="en-US" dirty="0"/>
           </a:p>
@@ -2840,7 +2899,7 @@
             <a:fld id="{B61BEF0D-F0BB-DE4B-95CE-6DB70DBA9567}" type="datetimeFigureOut">
               <a:rPr lang="en-US" dirty="0"/>
               <a:pPr/>
-              <a:t>4/22/25</a:t>
+              <a:t>4/23/25</a:t>
             </a:fld>
             <a:endParaRPr lang="en-US" dirty="0"/>
           </a:p>
@@ -3075,7 +3134,7 @@
             <a:fld id="{B61BEF0D-F0BB-DE4B-95CE-6DB70DBA9567}" type="datetimeFigureOut">
               <a:rPr lang="en-US" dirty="0"/>
               <a:pPr/>
-              <a:t>4/22/25</a:t>
+              <a:t>4/23/25</a:t>
             </a:fld>
             <a:endParaRPr lang="en-US" dirty="0"/>
           </a:p>
@@ -3272,7 +3331,7 @@
             <a:fld id="{B61BEF0D-F0BB-DE4B-95CE-6DB70DBA9567}" type="datetimeFigureOut">
               <a:rPr lang="en-US" dirty="0"/>
               <a:pPr/>
-              <a:t>4/22/25</a:t>
+              <a:t>4/23/25</a:t>
             </a:fld>
             <a:endParaRPr lang="en-US" dirty="0"/>
           </a:p>
@@ -3545,7 +3604,7 @@
             <a:fld id="{B61BEF0D-F0BB-DE4B-95CE-6DB70DBA9567}" type="datetimeFigureOut">
               <a:rPr lang="en-US" dirty="0"/>
               <a:pPr/>
-              <a:t>4/22/25</a:t>
+              <a:t>4/23/25</a:t>
             </a:fld>
             <a:endParaRPr lang="en-US" dirty="0"/>
           </a:p>
@@ -3808,7 +3867,7 @@
             <a:fld id="{B61BEF0D-F0BB-DE4B-95CE-6DB70DBA9567}" type="datetimeFigureOut">
               <a:rPr lang="en-US" dirty="0"/>
               <a:pPr/>
-              <a:t>4/22/25</a:t>
+              <a:t>4/23/25</a:t>
             </a:fld>
             <a:endParaRPr lang="en-US" dirty="0"/>
           </a:p>
@@ -4179,7 +4238,7 @@
             <a:fld id="{B61BEF0D-F0BB-DE4B-95CE-6DB70DBA9567}" type="datetimeFigureOut">
               <a:rPr lang="en-US" dirty="0"/>
               <a:pPr/>
-              <a:t>4/22/25</a:t>
+              <a:t>4/23/25</a:t>
             </a:fld>
             <a:endParaRPr lang="en-US" dirty="0"/>
           </a:p>
@@ -4324,7 +4383,7 @@
             <a:fld id="{B61BEF0D-F0BB-DE4B-95CE-6DB70DBA9567}" type="datetimeFigureOut">
               <a:rPr lang="en-US" dirty="0"/>
               <a:pPr/>
-              <a:t>4/22/25</a:t>
+              <a:t>4/23/25</a:t>
             </a:fld>
             <a:endParaRPr lang="en-US" dirty="0"/>
           </a:p>
@@ -4446,7 +4505,7 @@
             <a:fld id="{B61BEF0D-F0BB-DE4B-95CE-6DB70DBA9567}" type="datetimeFigureOut">
               <a:rPr lang="en-US" dirty="0"/>
               <a:pPr/>
-              <a:t>4/22/25</a:t>
+              <a:t>4/23/25</a:t>
             </a:fld>
             <a:endParaRPr lang="en-US" dirty="0"/>
           </a:p>
@@ -4728,7 +4787,7 @@
             <a:fld id="{B61BEF0D-F0BB-DE4B-95CE-6DB70DBA9567}" type="datetimeFigureOut">
               <a:rPr lang="en-US" dirty="0"/>
               <a:pPr/>
-              <a:t>4/22/25</a:t>
+              <a:t>4/23/25</a:t>
             </a:fld>
             <a:endParaRPr lang="en-US" dirty="0"/>
           </a:p>
@@ -5049,7 +5108,7 @@
             <a:fld id="{B61BEF0D-F0BB-DE4B-95CE-6DB70DBA9567}" type="datetimeFigureOut">
               <a:rPr lang="en-US" dirty="0"/>
               <a:pPr/>
-              <a:t>4/22/25</a:t>
+              <a:t>4/23/25</a:t>
             </a:fld>
             <a:endParaRPr lang="en-US" dirty="0"/>
           </a:p>
@@ -5260,7 +5319,7 @@
             <a:fld id="{B61BEF0D-F0BB-DE4B-95CE-6DB70DBA9567}" type="datetimeFigureOut">
               <a:rPr lang="en-US" dirty="0"/>
               <a:pPr/>
-              <a:t>4/22/25</a:t>
+              <a:t>4/23/25</a:t>
             </a:fld>
             <a:endParaRPr lang="en-US" dirty="0"/>
           </a:p>
@@ -5757,7 +5816,13 @@
   <p:cSld>
     <p:spTree>
       <p:nvGrpSpPr>
-        <p:cNvPr id="1" name=""/>
+        <p:cNvPr id="1" name="">
+          <a:extLst>
+            <a:ext uri="{FF2B5EF4-FFF2-40B4-BE49-F238E27FC236}">
+              <a16:creationId xmlns:a16="http://schemas.microsoft.com/office/drawing/2014/main" id="{2445D5AC-9535-9D10-0482-086129C38359}"/>
+            </a:ext>
+          </a:extLst>
+        </p:cNvPr>
         <p:cNvGrpSpPr/>
         <p:nvPr/>
       </p:nvGrpSpPr>
@@ -5774,7 +5839,7 @@
           <p:cNvPr id="33" name="Group 32">
             <a:extLst>
               <a:ext uri="{FF2B5EF4-FFF2-40B4-BE49-F238E27FC236}">
-                <a16:creationId xmlns:a16="http://schemas.microsoft.com/office/drawing/2014/main" id="{F3391408-F84D-857C-A990-1FB3C08DA8ED}"/>
+                <a16:creationId xmlns:a16="http://schemas.microsoft.com/office/drawing/2014/main" id="{ADC49763-E17B-1AC2-DC92-2CFD9CD95E53}"/>
               </a:ext>
             </a:extLst>
           </p:cNvPr>
@@ -5785,7 +5850,7 @@
         </p:nvGrpSpPr>
         <p:grpSpPr>
           <a:xfrm>
-            <a:off x="1045025" y="696685"/>
+            <a:off x="1045025" y="1017317"/>
             <a:ext cx="10101947" cy="5464627"/>
             <a:chOff x="1045025" y="696685"/>
             <a:chExt cx="10101947" cy="5464627"/>
@@ -5796,7 +5861,7 @@
             <p:cNvPr id="5" name="Round Single Corner Rectangle 4">
               <a:extLst>
                 <a:ext uri="{FF2B5EF4-FFF2-40B4-BE49-F238E27FC236}">
-                  <a16:creationId xmlns:a16="http://schemas.microsoft.com/office/drawing/2014/main" id="{14140F00-B5C8-61F4-5583-A74B1B739EBA}"/>
+                  <a16:creationId xmlns:a16="http://schemas.microsoft.com/office/drawing/2014/main" id="{1D483381-4C53-618F-550F-6A6601787E1E}"/>
                 </a:ext>
               </a:extLst>
             </p:cNvPr>
@@ -5815,9 +5880,13 @@
             </a:prstGeom>
             <a:solidFill>
               <a:schemeClr val="accent2">
-                <a:lumMod val="75000"/>
+                <a:lumMod val="20000"/>
+                <a:lumOff val="80000"/>
               </a:schemeClr>
             </a:solidFill>
+            <a:ln>
+              <a:noFill/>
+            </a:ln>
           </p:spPr>
           <p:style>
             <a:lnRef idx="2">
@@ -5849,7 +5918,7 @@
             <p:cNvPr id="6" name="Round Single Corner Rectangle 5">
               <a:extLst>
                 <a:ext uri="{FF2B5EF4-FFF2-40B4-BE49-F238E27FC236}">
-                  <a16:creationId xmlns:a16="http://schemas.microsoft.com/office/drawing/2014/main" id="{C9C810D8-EBB4-D054-8026-034031B546DE}"/>
+                  <a16:creationId xmlns:a16="http://schemas.microsoft.com/office/drawing/2014/main" id="{1D9AD505-8AAD-7E2A-874B-FE1E4F344107}"/>
                 </a:ext>
               </a:extLst>
             </p:cNvPr>
@@ -5867,10 +5936,14 @@
               <a:avLst/>
             </a:prstGeom>
             <a:solidFill>
-              <a:schemeClr val="accent6">
-                <a:lumMod val="50000"/>
+              <a:schemeClr val="accent2">
+                <a:lumMod val="20000"/>
+                <a:lumOff val="80000"/>
               </a:schemeClr>
             </a:solidFill>
+            <a:ln>
+              <a:noFill/>
+            </a:ln>
           </p:spPr>
           <p:style>
             <a:lnRef idx="2">
@@ -5893,7 +5966,7 @@
             <a:lstStyle/>
             <a:p>
               <a:pPr algn="ctr"/>
-              <a:endParaRPr lang="en-US"/>
+              <a:endParaRPr lang="en-US" dirty="0"/>
             </a:p>
           </p:txBody>
         </p:sp>
@@ -5902,7 +5975,7 @@
             <p:cNvPr id="7" name="Round Single Corner Rectangle 6">
               <a:extLst>
                 <a:ext uri="{FF2B5EF4-FFF2-40B4-BE49-F238E27FC236}">
-                  <a16:creationId xmlns:a16="http://schemas.microsoft.com/office/drawing/2014/main" id="{490D9051-03D0-55EF-57F5-D3081844FD34}"/>
+                  <a16:creationId xmlns:a16="http://schemas.microsoft.com/office/drawing/2014/main" id="{AEA9E3E1-F5DE-AEBC-7300-1B90DEA0F11B}"/>
                 </a:ext>
               </a:extLst>
             </p:cNvPr>
@@ -5920,10 +5993,14 @@
               <a:avLst/>
             </a:prstGeom>
             <a:solidFill>
-              <a:schemeClr val="accent3">
-                <a:lumMod val="75000"/>
+              <a:schemeClr val="accent2">
+                <a:lumMod val="20000"/>
+                <a:lumOff val="80000"/>
               </a:schemeClr>
             </a:solidFill>
+            <a:ln>
+              <a:noFill/>
+            </a:ln>
           </p:spPr>
           <p:style>
             <a:lnRef idx="2">
@@ -5955,7 +6032,7 @@
             <p:cNvPr id="8" name="Round Single Corner Rectangle 7">
               <a:extLst>
                 <a:ext uri="{FF2B5EF4-FFF2-40B4-BE49-F238E27FC236}">
-                  <a16:creationId xmlns:a16="http://schemas.microsoft.com/office/drawing/2014/main" id="{9F4AB57C-78BA-EF01-4C49-634D3EF97EA3}"/>
+                  <a16:creationId xmlns:a16="http://schemas.microsoft.com/office/drawing/2014/main" id="{4FB0466E-6799-BE33-ACE0-5FFDDA50591A}"/>
                 </a:ext>
               </a:extLst>
             </p:cNvPr>
@@ -5972,6 +6049,15 @@
             <a:prstGeom prst="round1Rect">
               <a:avLst/>
             </a:prstGeom>
+            <a:solidFill>
+              <a:schemeClr val="accent2">
+                <a:lumMod val="20000"/>
+                <a:lumOff val="80000"/>
+              </a:schemeClr>
+            </a:solidFill>
+            <a:ln>
+              <a:noFill/>
+            </a:ln>
           </p:spPr>
           <p:style>
             <a:lnRef idx="2">
@@ -6003,7 +6089,7 @@
             <p:cNvPr id="24" name="Octagon 23">
               <a:extLst>
                 <a:ext uri="{FF2B5EF4-FFF2-40B4-BE49-F238E27FC236}">
-                  <a16:creationId xmlns:a16="http://schemas.microsoft.com/office/drawing/2014/main" id="{889965D8-682D-30F2-3617-3FF8D78F7DD1}"/>
+                  <a16:creationId xmlns:a16="http://schemas.microsoft.com/office/drawing/2014/main" id="{9C3D078A-17A4-8C98-07EE-4E812FF62A1E}"/>
                 </a:ext>
               </a:extLst>
             </p:cNvPr>
@@ -6021,8 +6107,11 @@
               <a:avLst/>
             </a:prstGeom>
             <a:solidFill>
-              <a:schemeClr val="tx1"/>
+              <a:srgbClr val="1B2B6F"/>
             </a:solidFill>
+            <a:ln>
+              <a:noFill/>
+            </a:ln>
           </p:spPr>
           <p:style>
             <a:lnRef idx="2">
@@ -6054,7 +6143,7 @@
             <p:cNvPr id="13" name="TextBox 12">
               <a:extLst>
                 <a:ext uri="{FF2B5EF4-FFF2-40B4-BE49-F238E27FC236}">
-                  <a16:creationId xmlns:a16="http://schemas.microsoft.com/office/drawing/2014/main" id="{CBEE49C9-B252-B829-59F5-441DFD456EAE}"/>
+                  <a16:creationId xmlns:a16="http://schemas.microsoft.com/office/drawing/2014/main" id="{70F567D7-120A-BB89-9E1A-CD2DB8B181A4}"/>
                 </a:ext>
               </a:extLst>
             </p:cNvPr>
@@ -6074,29 +6163,21 @@
             <a:noFill/>
           </p:spPr>
           <p:txBody>
-            <a:bodyPr wrap="none" rtlCol="0">
+            <a:bodyPr wrap="none" lIns="91440" tIns="45720" rIns="91440" bIns="45720" rtlCol="0" anchor="ctr">
               <a:spAutoFit/>
             </a:bodyPr>
             <a:lstStyle/>
             <a:p>
               <a:pPr algn="ctr"/>
               <a:r>
-                <a:rPr lang="en-US" dirty="0">
-                  <a:solidFill>
-                    <a:sysClr val="windowText" lastClr="000000"/>
-                  </a:solidFill>
-                </a:rPr>
+                <a:rPr lang="en-US" dirty="0"/>
                 <a:t>Group </a:t>
               </a:r>
             </a:p>
             <a:p>
               <a:pPr algn="ctr"/>
               <a:r>
-                <a:rPr lang="en-US" dirty="0">
-                  <a:solidFill>
-                    <a:sysClr val="windowText" lastClr="000000"/>
-                  </a:solidFill>
-                </a:rPr>
+                <a:rPr lang="en-US" dirty="0"/>
                 <a:t>#X</a:t>
               </a:r>
             </a:p>
@@ -6108,7 +6189,7 @@
           <p:cNvPr id="9" name="TextBox 8">
             <a:extLst>
               <a:ext uri="{FF2B5EF4-FFF2-40B4-BE49-F238E27FC236}">
-                <a16:creationId xmlns:a16="http://schemas.microsoft.com/office/drawing/2014/main" id="{E80980B8-3887-2F99-8780-F952FC7F03DF}"/>
+                <a16:creationId xmlns:a16="http://schemas.microsoft.com/office/drawing/2014/main" id="{9399EBC5-68E8-C6B6-2011-10E834C7B3DC}"/>
               </a:ext>
             </a:extLst>
           </p:cNvPr>
@@ -6117,7 +6198,7 @@
         </p:nvSpPr>
         <p:spPr>
           <a:xfrm>
-            <a:off x="7019682" y="696685"/>
+            <a:off x="7019682" y="1112317"/>
             <a:ext cx="3323346" cy="369332"/>
           </a:xfrm>
           <a:prstGeom prst="rect">
@@ -6133,6 +6214,9 @@
           <a:p>
             <a:r>
               <a:rPr lang="en-US" b="1" dirty="0">
+                <a:solidFill>
+                  <a:schemeClr val="bg1"/>
+                </a:solidFill>
                 <a:latin typeface="Aptos" panose="020B0004020202020204" pitchFamily="34" charset="0"/>
               </a:rPr>
               <a:t>Human-AI Interaction Design </a:t>
@@ -6145,7 +6229,7 @@
           <p:cNvPr id="10" name="TextBox 9">
             <a:extLst>
               <a:ext uri="{FF2B5EF4-FFF2-40B4-BE49-F238E27FC236}">
-                <a16:creationId xmlns:a16="http://schemas.microsoft.com/office/drawing/2014/main" id="{D647829F-BB15-5D67-E574-6457A166B6B2}"/>
+                <a16:creationId xmlns:a16="http://schemas.microsoft.com/office/drawing/2014/main" id="{00E089B9-E4DB-D96B-6F5A-FB5CC4640AEC}"/>
               </a:ext>
             </a:extLst>
           </p:cNvPr>
@@ -6154,7 +6238,7 @@
         </p:nvSpPr>
         <p:spPr>
           <a:xfrm>
-            <a:off x="2127407" y="3537855"/>
+            <a:off x="2127407" y="3953487"/>
             <a:ext cx="2766463" cy="369332"/>
           </a:xfrm>
           <a:prstGeom prst="rect">
@@ -6170,6 +6254,9 @@
           <a:p>
             <a:r>
               <a:rPr lang="en-US" b="1" dirty="0">
+                <a:solidFill>
+                  <a:schemeClr val="bg1"/>
+                </a:solidFill>
                 <a:latin typeface="Aptos" panose="020B0004020202020204" pitchFamily="34" charset="0"/>
               </a:rPr>
               <a:t>Data Governance Design</a:t>
@@ -6182,7 +6269,7 @@
           <p:cNvPr id="11" name="TextBox 10">
             <a:extLst>
               <a:ext uri="{FF2B5EF4-FFF2-40B4-BE49-F238E27FC236}">
-                <a16:creationId xmlns:a16="http://schemas.microsoft.com/office/drawing/2014/main" id="{C8AEA600-1B45-4515-614C-31739A19E52E}"/>
+                <a16:creationId xmlns:a16="http://schemas.microsoft.com/office/drawing/2014/main" id="{21F2262D-940C-6980-CFB9-9F23B1C497EB}"/>
               </a:ext>
             </a:extLst>
           </p:cNvPr>
@@ -6191,7 +6278,7 @@
         </p:nvSpPr>
         <p:spPr>
           <a:xfrm>
-            <a:off x="7495678" y="3537855"/>
+            <a:off x="7495678" y="3953487"/>
             <a:ext cx="2371355" cy="369332"/>
           </a:xfrm>
           <a:prstGeom prst="rect">
@@ -6207,6 +6294,9 @@
           <a:p>
             <a:r>
               <a:rPr lang="en-US" b="1" dirty="0">
+                <a:solidFill>
+                  <a:schemeClr val="bg1"/>
+                </a:solidFill>
                 <a:latin typeface="Aptos" panose="020B0004020202020204" pitchFamily="34" charset="0"/>
               </a:rPr>
               <a:t>Development Design</a:t>
@@ -6219,7 +6309,7 @@
           <p:cNvPr id="12" name="TextBox 11">
             <a:extLst>
               <a:ext uri="{FF2B5EF4-FFF2-40B4-BE49-F238E27FC236}">
-                <a16:creationId xmlns:a16="http://schemas.microsoft.com/office/drawing/2014/main" id="{A8EEFCA6-39CD-D71B-C07B-F2CC43DCEEB5}"/>
+                <a16:creationId xmlns:a16="http://schemas.microsoft.com/office/drawing/2014/main" id="{E390E005-7520-7154-8226-94C310AE3EB4}"/>
               </a:ext>
             </a:extLst>
           </p:cNvPr>
@@ -6228,7 +6318,7 @@
         </p:nvSpPr>
         <p:spPr>
           <a:xfrm>
-            <a:off x="2127407" y="718474"/>
+            <a:off x="2127407" y="1134106"/>
             <a:ext cx="2868093" cy="369332"/>
           </a:xfrm>
           <a:prstGeom prst="rect">
@@ -6244,6 +6334,9 @@
           <a:p>
             <a:r>
               <a:rPr lang="en-US" b="1" dirty="0">
+                <a:solidFill>
+                  <a:schemeClr val="bg1"/>
+                </a:solidFill>
                 <a:latin typeface="Aptos" panose="020B0004020202020204" pitchFamily="34" charset="0"/>
               </a:rPr>
               <a:t>Group Members &amp; Project</a:t>
@@ -6256,7 +6349,7 @@
           <p:cNvPr id="23" name="Picture 22" descr="A group of letters on a black background&#10;&#10;AI-generated content may be incorrect.">
             <a:extLst>
               <a:ext uri="{FF2B5EF4-FFF2-40B4-BE49-F238E27FC236}">
-                <a16:creationId xmlns:a16="http://schemas.microsoft.com/office/drawing/2014/main" id="{50DAF53B-1970-FE76-18D1-97A79DE18C8B}"/>
+                <a16:creationId xmlns:a16="http://schemas.microsoft.com/office/drawing/2014/main" id="{472183FF-44BA-D30D-28C8-A36F1C720285}"/>
               </a:ext>
             </a:extLst>
           </p:cNvPr>
@@ -6286,7 +6379,7 @@
           <p:cNvPr id="26" name="TextBox 25">
             <a:extLst>
               <a:ext uri="{FF2B5EF4-FFF2-40B4-BE49-F238E27FC236}">
-                <a16:creationId xmlns:a16="http://schemas.microsoft.com/office/drawing/2014/main" id="{1AE31C79-D309-905A-F646-2D7A844F137B}"/>
+                <a16:creationId xmlns:a16="http://schemas.microsoft.com/office/drawing/2014/main" id="{D6E63DE8-EFB8-FCB4-AE1B-CE60609E41FF}"/>
               </a:ext>
             </a:extLst>
           </p:cNvPr>
@@ -6295,7 +6388,7 @@
         </p:nvSpPr>
         <p:spPr>
           <a:xfrm>
-            <a:off x="1323463" y="1109595"/>
+            <a:off x="1323463" y="1632103"/>
             <a:ext cx="3077317" cy="1569660"/>
           </a:xfrm>
           <a:prstGeom prst="rect">
@@ -6310,54 +6403,294 @@
           <a:lstStyle/>
           <a:p>
             <a:r>
-              <a:rPr lang="en-US" sz="1200" dirty="0"/>
+              <a:rPr lang="en-US" sz="1200" dirty="0">
+                <a:solidFill>
+                  <a:schemeClr val="bg1"/>
+                </a:solidFill>
+              </a:rPr>
               <a:t>Project Name: [Enter Your Project Name Here]</a:t>
             </a:r>
           </a:p>
           <a:p>
-            <a:endParaRPr lang="en-US" sz="1200" dirty="0"/>
-          </a:p>
-          <a:p>
-            <a:r>
-              <a:rPr lang="en-US" sz="1200" dirty="0"/>
+            <a:endParaRPr lang="en-US" sz="1200" dirty="0">
+              <a:solidFill>
+                <a:schemeClr val="bg1"/>
+              </a:solidFill>
+            </a:endParaRPr>
+          </a:p>
+          <a:p>
+            <a:r>
+              <a:rPr lang="en-US" sz="1200" dirty="0">
+                <a:solidFill>
+                  <a:schemeClr val="bg1"/>
+                </a:solidFill>
+              </a:rPr>
               <a:t>Team Members: </a:t>
             </a:r>
           </a:p>
           <a:p>
             <a:r>
-              <a:rPr lang="en-US" sz="1200" dirty="0"/>
+              <a:rPr lang="en-US" sz="1200" dirty="0">
+                <a:solidFill>
+                  <a:schemeClr val="bg1"/>
+                </a:solidFill>
+              </a:rPr>
               <a:t>[Member 1 Name]</a:t>
             </a:r>
           </a:p>
           <a:p>
             <a:r>
-              <a:rPr lang="en-US" sz="1200" dirty="0"/>
+              <a:rPr lang="en-US" sz="1200" dirty="0">
+                <a:solidFill>
+                  <a:schemeClr val="bg1"/>
+                </a:solidFill>
+              </a:rPr>
               <a:t>[Member 2 Name]</a:t>
             </a:r>
           </a:p>
           <a:p>
             <a:r>
-              <a:rPr lang="en-US" sz="1200" dirty="0"/>
+              <a:rPr lang="en-US" sz="1200" dirty="0">
+                <a:solidFill>
+                  <a:schemeClr val="bg1"/>
+                </a:solidFill>
+              </a:rPr>
               <a:t>[Member 3 Name]</a:t>
             </a:r>
           </a:p>
           <a:p>
-            <a:endParaRPr lang="en-US" sz="1200" dirty="0"/>
-          </a:p>
-          <a:p>
-            <a:r>
-              <a:rPr lang="en-US" sz="1200" dirty="0"/>
+            <a:endParaRPr lang="en-US" sz="1200" dirty="0">
+              <a:solidFill>
+                <a:schemeClr val="bg1"/>
+              </a:solidFill>
+            </a:endParaRPr>
+          </a:p>
+          <a:p>
+            <a:r>
+              <a:rPr lang="en-US" sz="1200" dirty="0">
+                <a:solidFill>
+                  <a:schemeClr val="bg1"/>
+                </a:solidFill>
+              </a:rPr>
               <a:t>Summary: [Summary of your project idea]</a:t>
+            </a:r>
+          </a:p>
+        </p:txBody>
+      </p:sp>
+      <p:sp>
+        <p:nvSpPr>
+          <p:cNvPr id="30" name="TextBox 29">
+            <a:extLst>
+              <a:ext uri="{FF2B5EF4-FFF2-40B4-BE49-F238E27FC236}">
+                <a16:creationId xmlns:a16="http://schemas.microsoft.com/office/drawing/2014/main" id="{152AC39B-E6CD-99D4-91B4-B35F1644B601}"/>
+              </a:ext>
+            </a:extLst>
+          </p:cNvPr>
+          <p:cNvSpPr txBox="1"/>
+          <p:nvPr/>
+        </p:nvSpPr>
+        <p:spPr>
+          <a:xfrm>
+            <a:off x="6956875" y="2190545"/>
+            <a:ext cx="3448957" cy="276999"/>
+          </a:xfrm>
+          <a:prstGeom prst="rect">
+            <a:avLst/>
+          </a:prstGeom>
+          <a:noFill/>
+        </p:spPr>
+        <p:txBody>
+          <a:bodyPr wrap="none" rtlCol="0">
+            <a:spAutoFit/>
+          </a:bodyPr>
+          <a:lstStyle/>
+          <a:p>
+            <a:r>
+              <a:rPr lang="en-US" sz="1200" dirty="0">
+                <a:solidFill>
+                  <a:schemeClr val="bg1"/>
+                </a:solidFill>
+              </a:rPr>
+              <a:t>[Bullet points, explanations, figures, diagrams, </a:t>
+            </a:r>
+            <a:r>
+              <a:rPr lang="en-US" sz="1200" dirty="0" err="1">
+                <a:solidFill>
+                  <a:schemeClr val="bg1"/>
+                </a:solidFill>
+              </a:rPr>
+              <a:t>etc</a:t>
+            </a:r>
+            <a:r>
+              <a:rPr lang="en-US" sz="1200" dirty="0">
+                <a:solidFill>
+                  <a:schemeClr val="bg1"/>
+                </a:solidFill>
+              </a:rPr>
+              <a:t>…]</a:t>
+            </a:r>
+          </a:p>
+        </p:txBody>
+      </p:sp>
+      <p:sp>
+        <p:nvSpPr>
+          <p:cNvPr id="34" name="TextBox 33">
+            <a:extLst>
+              <a:ext uri="{FF2B5EF4-FFF2-40B4-BE49-F238E27FC236}">
+                <a16:creationId xmlns:a16="http://schemas.microsoft.com/office/drawing/2014/main" id="{B61FEC8B-77E2-1ECC-916E-81C631A71FB3}"/>
+              </a:ext>
+            </a:extLst>
+          </p:cNvPr>
+          <p:cNvSpPr txBox="1"/>
+          <p:nvPr/>
+        </p:nvSpPr>
+        <p:spPr>
+          <a:xfrm>
+            <a:off x="5070815" y="258072"/>
+            <a:ext cx="5272213" cy="523220"/>
+          </a:xfrm>
+          <a:prstGeom prst="rect">
+            <a:avLst/>
+          </a:prstGeom>
+          <a:noFill/>
+        </p:spPr>
+        <p:txBody>
+          <a:bodyPr wrap="none" rtlCol="0">
+            <a:spAutoFit/>
+          </a:bodyPr>
+          <a:lstStyle/>
+          <a:p>
+            <a:r>
+              <a:rPr lang="en-US" sz="2800" b="1" dirty="0">
+                <a:effectLst>
+                  <a:glow>
+                    <a:srgbClr val="00B0F0"/>
+                  </a:glow>
+                </a:effectLst>
+                <a:latin typeface="FUTURA MEDIUM" panose="020B0602020204020303" pitchFamily="34" charset="-79"/>
+                <a:cs typeface="FUTURA MEDIUM" panose="020B0602020204020303" pitchFamily="34" charset="-79"/>
+              </a:rPr>
+              <a:t>AI + Fun Day Challenge 2025</a:t>
+            </a:r>
+          </a:p>
+        </p:txBody>
+      </p:sp>
+      <p:sp>
+        <p:nvSpPr>
+          <p:cNvPr id="35" name="TextBox 34">
+            <a:extLst>
+              <a:ext uri="{FF2B5EF4-FFF2-40B4-BE49-F238E27FC236}">
+                <a16:creationId xmlns:a16="http://schemas.microsoft.com/office/drawing/2014/main" id="{9F88C2A2-4DAB-9C76-6395-8B099E96A2D5}"/>
+              </a:ext>
+            </a:extLst>
+          </p:cNvPr>
+          <p:cNvSpPr txBox="1"/>
+          <p:nvPr/>
+        </p:nvSpPr>
+        <p:spPr>
+          <a:xfrm>
+            <a:off x="6956875" y="5031716"/>
+            <a:ext cx="3448957" cy="276999"/>
+          </a:xfrm>
+          <a:prstGeom prst="rect">
+            <a:avLst/>
+          </a:prstGeom>
+          <a:noFill/>
+        </p:spPr>
+        <p:txBody>
+          <a:bodyPr wrap="none" rtlCol="0">
+            <a:spAutoFit/>
+          </a:bodyPr>
+          <a:lstStyle/>
+          <a:p>
+            <a:r>
+              <a:rPr lang="en-US" sz="1200" dirty="0">
+                <a:solidFill>
+                  <a:schemeClr val="bg1"/>
+                </a:solidFill>
+              </a:rPr>
+              <a:t>[Bullet points, explanations, figures, diagrams, </a:t>
+            </a:r>
+            <a:r>
+              <a:rPr lang="en-US" sz="1200" dirty="0" err="1">
+                <a:solidFill>
+                  <a:schemeClr val="bg1"/>
+                </a:solidFill>
+              </a:rPr>
+              <a:t>etc</a:t>
+            </a:r>
+            <a:r>
+              <a:rPr lang="en-US" sz="1200" dirty="0">
+                <a:solidFill>
+                  <a:schemeClr val="bg1"/>
+                </a:solidFill>
+              </a:rPr>
+              <a:t>…]</a:t>
+            </a:r>
+          </a:p>
+        </p:txBody>
+      </p:sp>
+      <p:sp>
+        <p:nvSpPr>
+          <p:cNvPr id="36" name="TextBox 35">
+            <a:extLst>
+              <a:ext uri="{FF2B5EF4-FFF2-40B4-BE49-F238E27FC236}">
+                <a16:creationId xmlns:a16="http://schemas.microsoft.com/office/drawing/2014/main" id="{263319A7-003D-D157-8E15-9D9113413920}"/>
+              </a:ext>
+            </a:extLst>
+          </p:cNvPr>
+          <p:cNvSpPr txBox="1"/>
+          <p:nvPr/>
+        </p:nvSpPr>
+        <p:spPr>
+          <a:xfrm>
+            <a:off x="1836974" y="5031715"/>
+            <a:ext cx="3448957" cy="276999"/>
+          </a:xfrm>
+          <a:prstGeom prst="rect">
+            <a:avLst/>
+          </a:prstGeom>
+          <a:noFill/>
+        </p:spPr>
+        <p:txBody>
+          <a:bodyPr wrap="none" rtlCol="0">
+            <a:spAutoFit/>
+          </a:bodyPr>
+          <a:lstStyle/>
+          <a:p>
+            <a:r>
+              <a:rPr lang="en-US" sz="1200" dirty="0">
+                <a:solidFill>
+                  <a:schemeClr val="bg1"/>
+                </a:solidFill>
+              </a:rPr>
+              <a:t>[Bullet points, explanations, figures, diagrams, </a:t>
+            </a:r>
+            <a:r>
+              <a:rPr lang="en-US" sz="1200" dirty="0" err="1">
+                <a:solidFill>
+                  <a:schemeClr val="bg1"/>
+                </a:solidFill>
+              </a:rPr>
+              <a:t>etc</a:t>
+            </a:r>
+            <a:r>
+              <a:rPr lang="en-US" sz="1200" dirty="0">
+                <a:solidFill>
+                  <a:schemeClr val="bg1"/>
+                </a:solidFill>
+              </a:rPr>
+              <a:t>…]</a:t>
             </a:r>
           </a:p>
         </p:txBody>
       </p:sp>
       <p:pic>
         <p:nvPicPr>
-          <p:cNvPr id="29" name="Picture 28" descr="A purple circle with white text&#10;&#10;AI-generated content may be incorrect.">
+          <p:cNvPr id="3" name="Picture 2" descr="A black and white logo&#10;&#10;AI-generated content may be incorrect.">
             <a:extLst>
               <a:ext uri="{FF2B5EF4-FFF2-40B4-BE49-F238E27FC236}">
-                <a16:creationId xmlns:a16="http://schemas.microsoft.com/office/drawing/2014/main" id="{7C58B72F-4B3D-0E7A-26F8-C3AB65B49570}"/>
+                <a16:creationId xmlns:a16="http://schemas.microsoft.com/office/drawing/2014/main" id="{2372B530-0AE7-B992-E821-C3FC24C7BC72}"/>
               </a:ext>
             </a:extLst>
           </p:cNvPr>
@@ -6374,192 +6707,18 @@
         </p:blipFill>
         <p:spPr>
           <a:xfrm>
-            <a:off x="60401" y="48807"/>
-            <a:ext cx="897131" cy="897131"/>
+            <a:off x="80741" y="77743"/>
+            <a:ext cx="3781972" cy="762258"/>
           </a:xfrm>
           <a:prstGeom prst="rect">
             <a:avLst/>
           </a:prstGeom>
         </p:spPr>
       </p:pic>
-      <p:sp>
-        <p:nvSpPr>
-          <p:cNvPr id="30" name="TextBox 29">
-            <a:extLst>
-              <a:ext uri="{FF2B5EF4-FFF2-40B4-BE49-F238E27FC236}">
-                <a16:creationId xmlns:a16="http://schemas.microsoft.com/office/drawing/2014/main" id="{31E6E9CE-2258-E1CD-A1FF-19B8E19C5843}"/>
-              </a:ext>
-            </a:extLst>
-          </p:cNvPr>
-          <p:cNvSpPr txBox="1"/>
-          <p:nvPr/>
-        </p:nvSpPr>
-        <p:spPr>
-          <a:xfrm>
-            <a:off x="6956875" y="1869913"/>
-            <a:ext cx="3448957" cy="276999"/>
-          </a:xfrm>
-          <a:prstGeom prst="rect">
-            <a:avLst/>
-          </a:prstGeom>
-          <a:noFill/>
-        </p:spPr>
-        <p:txBody>
-          <a:bodyPr wrap="none" rtlCol="0">
-            <a:spAutoFit/>
-          </a:bodyPr>
-          <a:lstStyle/>
-          <a:p>
-            <a:r>
-              <a:rPr lang="en-US" sz="1200" dirty="0"/>
-              <a:t>[Bullet points, explanations, figures, diagrams, </a:t>
-            </a:r>
-            <a:r>
-              <a:rPr lang="en-US" sz="1200" dirty="0" err="1"/>
-              <a:t>etc</a:t>
-            </a:r>
-            <a:r>
-              <a:rPr lang="en-US" sz="1200" dirty="0"/>
-              <a:t>…]</a:t>
-            </a:r>
-          </a:p>
-        </p:txBody>
-      </p:sp>
-      <p:sp>
-        <p:nvSpPr>
-          <p:cNvPr id="34" name="TextBox 33">
-            <a:extLst>
-              <a:ext uri="{FF2B5EF4-FFF2-40B4-BE49-F238E27FC236}">
-                <a16:creationId xmlns:a16="http://schemas.microsoft.com/office/drawing/2014/main" id="{975FD969-8CEC-6693-40CA-BDDF6823EFBA}"/>
-              </a:ext>
-            </a:extLst>
-          </p:cNvPr>
-          <p:cNvSpPr txBox="1"/>
-          <p:nvPr/>
-        </p:nvSpPr>
-        <p:spPr>
-          <a:xfrm>
-            <a:off x="4367898" y="99375"/>
-            <a:ext cx="3456203" cy="369332"/>
-          </a:xfrm>
-          <a:prstGeom prst="rect">
-            <a:avLst/>
-          </a:prstGeom>
-          <a:noFill/>
-        </p:spPr>
-        <p:txBody>
-          <a:bodyPr wrap="none" rtlCol="0">
-            <a:spAutoFit/>
-          </a:bodyPr>
-          <a:lstStyle/>
-          <a:p>
-            <a:r>
-              <a:rPr lang="en-US" b="1" dirty="0">
-                <a:effectLst>
-                  <a:glow rad="228600">
-                    <a:srgbClr val="00B0F0">
-                      <a:alpha val="40000"/>
-                    </a:srgbClr>
-                  </a:glow>
-                </a:effectLst>
-                <a:latin typeface="FUTURA MEDIUM" panose="020B0602020204020303" pitchFamily="34" charset="-79"/>
-                <a:cs typeface="FUTURA MEDIUM" panose="020B0602020204020303" pitchFamily="34" charset="-79"/>
-              </a:rPr>
-              <a:t>AI + Fun Day Challenge 2025</a:t>
-            </a:r>
-          </a:p>
-        </p:txBody>
-      </p:sp>
-      <p:sp>
-        <p:nvSpPr>
-          <p:cNvPr id="35" name="TextBox 34">
-            <a:extLst>
-              <a:ext uri="{FF2B5EF4-FFF2-40B4-BE49-F238E27FC236}">
-                <a16:creationId xmlns:a16="http://schemas.microsoft.com/office/drawing/2014/main" id="{F3F34FAB-A0EF-97E4-B5F9-5DA57A828AFC}"/>
-              </a:ext>
-            </a:extLst>
-          </p:cNvPr>
-          <p:cNvSpPr txBox="1"/>
-          <p:nvPr/>
-        </p:nvSpPr>
-        <p:spPr>
-          <a:xfrm>
-            <a:off x="6956875" y="4711084"/>
-            <a:ext cx="3448957" cy="276999"/>
-          </a:xfrm>
-          <a:prstGeom prst="rect">
-            <a:avLst/>
-          </a:prstGeom>
-          <a:noFill/>
-        </p:spPr>
-        <p:txBody>
-          <a:bodyPr wrap="none" rtlCol="0">
-            <a:spAutoFit/>
-          </a:bodyPr>
-          <a:lstStyle/>
-          <a:p>
-            <a:r>
-              <a:rPr lang="en-US" sz="1200" dirty="0"/>
-              <a:t>[Bullet points, explanations, figures, diagrams, </a:t>
-            </a:r>
-            <a:r>
-              <a:rPr lang="en-US" sz="1200" dirty="0" err="1"/>
-              <a:t>etc</a:t>
-            </a:r>
-            <a:r>
-              <a:rPr lang="en-US" sz="1200" dirty="0"/>
-              <a:t>…]</a:t>
-            </a:r>
-          </a:p>
-        </p:txBody>
-      </p:sp>
-      <p:sp>
-        <p:nvSpPr>
-          <p:cNvPr id="36" name="TextBox 35">
-            <a:extLst>
-              <a:ext uri="{FF2B5EF4-FFF2-40B4-BE49-F238E27FC236}">
-                <a16:creationId xmlns:a16="http://schemas.microsoft.com/office/drawing/2014/main" id="{4AF87EFA-73C7-C5B3-8C0E-56D9946F2EC3}"/>
-              </a:ext>
-            </a:extLst>
-          </p:cNvPr>
-          <p:cNvSpPr txBox="1"/>
-          <p:nvPr/>
-        </p:nvSpPr>
-        <p:spPr>
-          <a:xfrm>
-            <a:off x="1836974" y="4711083"/>
-            <a:ext cx="3448957" cy="276999"/>
-          </a:xfrm>
-          <a:prstGeom prst="rect">
-            <a:avLst/>
-          </a:prstGeom>
-          <a:noFill/>
-        </p:spPr>
-        <p:txBody>
-          <a:bodyPr wrap="none" rtlCol="0">
-            <a:spAutoFit/>
-          </a:bodyPr>
-          <a:lstStyle/>
-          <a:p>
-            <a:r>
-              <a:rPr lang="en-US" sz="1200" dirty="0"/>
-              <a:t>[Bullet points, explanations, figures, diagrams, </a:t>
-            </a:r>
-            <a:r>
-              <a:rPr lang="en-US" sz="1200" dirty="0" err="1"/>
-              <a:t>etc</a:t>
-            </a:r>
-            <a:r>
-              <a:rPr lang="en-US" sz="1200" dirty="0"/>
-              <a:t>…]</a:t>
-            </a:r>
-          </a:p>
-        </p:txBody>
-      </p:sp>
     </p:spTree>
     <p:extLst>
       <p:ext uri="{BB962C8B-B14F-4D97-AF65-F5344CB8AC3E}">
-        <p14:creationId xmlns:p14="http://schemas.microsoft.com/office/powerpoint/2010/main" val="1458192527"/>
+        <p14:creationId xmlns:p14="http://schemas.microsoft.com/office/powerpoint/2010/main" val="117953620"/>
       </p:ext>
     </p:extLst>
   </p:cSld>
